--- a/Instructor-Led/Module3/Lessons/Module3_Lesson13 Getting Your Apps into the App Store.pptx
+++ b/Instructor-Led/Module3/Lessons/Module3_Lesson13 Getting Your Apps into the App Store.pptx
@@ -225,7 +225,7 @@
           <a:p>
             <a:fld id="{49B60EF2-7028-489F-85D8-FE86CD7CF2A0}" type="datetimeFigureOut">
               <a:rPr lang="en-US" smtClean="0"/>
-              <a:t>6/17/16</a:t>
+              <a:t>6/28/16</a:t>
             </a:fld>
             <a:endParaRPr lang="en-US"/>
           </a:p>
@@ -4905,7 +4905,7 @@
           <a:p>
             <a:fld id="{0459C166-16D3-4A25-A2F8-C51E0E346B22}" type="datetimeFigureOut">
               <a:rPr lang="en-US" smtClean="0"/>
-              <a:t>6/17/16</a:t>
+              <a:t>6/28/16</a:t>
             </a:fld>
             <a:endParaRPr lang="en-US"/>
           </a:p>
@@ -5272,7 +5272,7 @@
           <a:p>
             <a:fld id="{0459C166-16D3-4A25-A2F8-C51E0E346B22}" type="datetimeFigureOut">
               <a:rPr lang="en-US" smtClean="0"/>
-              <a:t>6/17/16</a:t>
+              <a:t>6/28/16</a:t>
             </a:fld>
             <a:endParaRPr lang="en-US"/>
           </a:p>
@@ -5390,7 +5390,7 @@
           <a:p>
             <a:fld id="{0459C166-16D3-4A25-A2F8-C51E0E346B22}" type="datetimeFigureOut">
               <a:rPr lang="en-US" smtClean="0"/>
-              <a:t>6/17/16</a:t>
+              <a:t>6/28/16</a:t>
             </a:fld>
             <a:endParaRPr lang="en-US"/>
           </a:p>
@@ -5689,7 +5689,7 @@
           <a:p>
             <a:fld id="{0459C166-16D3-4A25-A2F8-C51E0E346B22}" type="datetimeFigureOut">
               <a:rPr lang="en-US" smtClean="0"/>
-              <a:t>6/17/16</a:t>
+              <a:t>6/28/16</a:t>
             </a:fld>
             <a:endParaRPr lang="en-US"/>
           </a:p>
@@ -6081,7 +6081,7 @@
           <a:p>
             <a:fld id="{0459C166-16D3-4A25-A2F8-C51E0E346B22}" type="datetimeFigureOut">
               <a:rPr lang="en-US" smtClean="0"/>
-              <a:t>6/17/16</a:t>
+              <a:t>6/28/16</a:t>
             </a:fld>
             <a:endParaRPr lang="en-US"/>
           </a:p>
@@ -6983,7 +6983,7 @@
           <a:p>
             <a:fld id="{0459C166-16D3-4A25-A2F8-C51E0E346B22}" type="datetimeFigureOut">
               <a:rPr lang="en-US" smtClean="0"/>
-              <a:t>6/17/16</a:t>
+              <a:t>6/28/16</a:t>
             </a:fld>
             <a:endParaRPr lang="en-US"/>
           </a:p>
@@ -7248,7 +7248,7 @@
             <a:fld id="{0459C166-16D3-4A25-A2F8-C51E0E346B22}" type="datetimeFigureOut">
               <a:rPr lang="en-US" smtClean="0"/>
               <a:pPr/>
-              <a:t>6/17/16</a:t>
+              <a:t>6/28/16</a:t>
             </a:fld>
             <a:endParaRPr lang="en-US"/>
           </a:p>
@@ -7567,7 +7567,7 @@
           <a:p>
             <a:fld id="{0459C166-16D3-4A25-A2F8-C51E0E346B22}" type="datetimeFigureOut">
               <a:rPr lang="en-US" smtClean="0"/>
-              <a:t>6/17/16</a:t>
+              <a:t>6/28/16</a:t>
             </a:fld>
             <a:endParaRPr lang="en-US"/>
           </a:p>
@@ -8141,7 +8141,7 @@
           <a:p>
             <a:fld id="{0459C166-16D3-4A25-A2F8-C51E0E346B22}" type="datetimeFigureOut">
               <a:rPr lang="en-US" smtClean="0"/>
-              <a:t>6/17/16</a:t>
+              <a:t>6/28/16</a:t>
             </a:fld>
             <a:endParaRPr lang="en-US"/>
           </a:p>
@@ -9288,7 +9288,7 @@
           <a:p>
             <a:fld id="{0459C166-16D3-4A25-A2F8-C51E0E346B22}" type="datetimeFigureOut">
               <a:rPr lang="en-US" smtClean="0"/>
-              <a:t>6/17/16</a:t>
+              <a:t>6/28/16</a:t>
             </a:fld>
             <a:endParaRPr lang="en-US"/>
           </a:p>
@@ -9500,7 +9500,7 @@
           <a:p>
             <a:fld id="{0459C166-16D3-4A25-A2F8-C51E0E346B22}" type="datetimeFigureOut">
               <a:rPr lang="en-US" smtClean="0"/>
-              <a:t>6/17/16</a:t>
+              <a:t>6/28/16</a:t>
             </a:fld>
             <a:endParaRPr lang="en-US"/>
           </a:p>
@@ -9957,8 +9957,29 @@
                   <a:srgbClr val="FFFF00"/>
                 </a:solidFill>
               </a:rPr>
-              <a:t>Module 3, Lesson 11: </a:t>
-            </a:r>
+              <a:t>Module 3, </a:t>
+            </a:r>
+            <a:r>
+              <a:rPr lang="en-US" sz="4000">
+                <a:solidFill>
+                  <a:srgbClr val="FFFF00"/>
+                </a:solidFill>
+              </a:rPr>
+              <a:t>Lesson </a:t>
+            </a:r>
+            <a:r>
+              <a:rPr lang="en-US" sz="4000" smtClean="0">
+                <a:solidFill>
+                  <a:srgbClr val="FFFF00"/>
+                </a:solidFill>
+              </a:rPr>
+              <a:t>13: </a:t>
+            </a:r>
+            <a:endParaRPr lang="en-US" sz="4000" dirty="0">
+              <a:solidFill>
+                <a:srgbClr val="FFFF00"/>
+              </a:solidFill>
+            </a:endParaRPr>
           </a:p>
           <a:p>
             <a:r>
@@ -10316,6 +10337,11 @@
           <a:prstGeom prst="rect">
             <a:avLst/>
           </a:prstGeom>
+          <a:ln>
+            <a:solidFill>
+              <a:srgbClr val="979191"/>
+            </a:solidFill>
+          </a:ln>
         </p:spPr>
       </p:pic>
     </p:spTree>
@@ -19754,6 +19780,11 @@
             <a:avLst/>
           </a:prstGeom>
           <a:noFill/>
+          <a:ln>
+            <a:solidFill>
+              <a:srgbClr val="979191"/>
+            </a:solidFill>
+          </a:ln>
           <a:extLst>
             <a:ext uri="{909E8E84-426E-40dd-AFC4-6F175D3DCCD1}">
               <a14:hiddenFill xmlns:a14="http://schemas.microsoft.com/office/drawing/2010/main">
